--- a/Presentations/First_version_of_the_presentation.pptx
+++ b/Presentations/First_version_of_the_presentation.pptx
@@ -267,7 +267,7 @@
   </p:defaultTextStyle>
   <p:extLst>
     <p:ext uri="{EFAFB233-063F-42B5-8137-9DF3F51BA10A}">
-      <p15:sldGuideLst xmlns:p15="http://schemas.microsoft.com/office/powerpoint/2012/main" xmlns:p14="http://schemas.microsoft.com/office/powerpoint/2010/main" xmlns:com="http://schemas.openxmlformats.org/drawingml/2006/compatibility" xmlns:pvml="urn:schemas-microsoft-com:office:powerpoint" xmlns:v="urn:schemas-microsoft-com:vml" xmlns:o="urn:schemas-microsoft-com:office:office" xmlns:dgm="http://schemas.openxmlformats.org/drawingml/2006/diagram" xmlns:c="http://schemas.openxmlformats.org/drawingml/2006/chart" xmlns:mv="urn:schemas-microsoft-com:mac:vml" xmlns:mc="http://schemas.openxmlformats.org/markup-compatibility/2006" xmlns="">
+      <p15:sldGuideLst xmlns="" xmlns:mc="http://schemas.openxmlformats.org/markup-compatibility/2006" xmlns:mv="urn:schemas-microsoft-com:mac:vml" xmlns:c="http://schemas.openxmlformats.org/drawingml/2006/chart" xmlns:dgm="http://schemas.openxmlformats.org/drawingml/2006/diagram" xmlns:o="urn:schemas-microsoft-com:office:office" xmlns:v="urn:schemas-microsoft-com:vml" xmlns:pvml="urn:schemas-microsoft-com:office:powerpoint" xmlns:com="http://schemas.openxmlformats.org/drawingml/2006/compatibility" xmlns:p14="http://schemas.microsoft.com/office/powerpoint/2010/main" xmlns:p15="http://schemas.microsoft.com/office/powerpoint/2012/main">
         <p15:guide id="1" orient="horz" pos="1620">
           <p15:clr>
             <a:srgbClr val="A4A3A4"/>
@@ -9826,13 +9826,13 @@
   <p:clrMapOvr>
     <a:masterClrMapping/>
   </p:clrMapOvr>
-  <mc:AlternateContent xmlns:mc="http://schemas.openxmlformats.org/markup-compatibility/2006">
-    <mc:Choice xmlns:p14="http://schemas.microsoft.com/office/powerpoint/2010/main" Requires="p14">
+  <mc:AlternateContent xmlns:mc="http://schemas.openxmlformats.org/markup-compatibility/2006" xmlns:p14="http://schemas.microsoft.com/office/powerpoint/2010/main">
+    <mc:Choice Requires="p14">
       <p:transition spd="slow" p14:dur="800">
         <p:circle/>
       </p:transition>
     </mc:Choice>
-    <mc:Fallback>
+    <mc:Fallback xmlns="">
       <p:transition spd="slow">
         <p:circle/>
       </p:transition>
@@ -12277,7 +12277,7 @@
         </p:blipFill>
         <p:spPr bwMode="auto">
           <a:xfrm>
-            <a:off x="395022" y="899770"/>
+            <a:off x="395022" y="929030"/>
             <a:ext cx="8266176" cy="3921611"/>
           </a:xfrm>
           <a:prstGeom prst="rect">
@@ -12323,13 +12323,13 @@
   <p:clrMapOvr>
     <a:masterClrMapping/>
   </p:clrMapOvr>
-  <mc:AlternateContent xmlns:mc="http://schemas.openxmlformats.org/markup-compatibility/2006">
-    <mc:Choice xmlns:p14="http://schemas.microsoft.com/office/powerpoint/2010/main" Requires="p14">
+  <mc:AlternateContent xmlns:mc="http://schemas.openxmlformats.org/markup-compatibility/2006" xmlns:p14="http://schemas.microsoft.com/office/powerpoint/2010/main">
+    <mc:Choice Requires="p14">
       <p:transition spd="slow" p14:dur="1500">
         <p:split orient="vert"/>
       </p:transition>
     </mc:Choice>
-    <mc:Fallback>
+    <mc:Fallback xmlns="">
       <p:transition spd="slow">
         <p:split orient="vert"/>
       </p:transition>
@@ -12513,13 +12513,13 @@
   <p:clrMapOvr>
     <a:masterClrMapping/>
   </p:clrMapOvr>
-  <mc:AlternateContent xmlns:mc="http://schemas.openxmlformats.org/markup-compatibility/2006">
-    <mc:Choice xmlns:p14="http://schemas.microsoft.com/office/powerpoint/2010/main" Requires="p14">
+  <mc:AlternateContent xmlns:mc="http://schemas.openxmlformats.org/markup-compatibility/2006" xmlns:p14="http://schemas.microsoft.com/office/powerpoint/2010/main">
+    <mc:Choice Requires="p14">
       <p:transition spd="slow" p14:dur="1500">
         <p:split orient="vert"/>
       </p:transition>
     </mc:Choice>
-    <mc:Fallback>
+    <mc:Fallback xmlns="">
       <p:transition spd="slow">
         <p:split orient="vert"/>
       </p:transition>
